--- a/doc/0.공용폴더/05 와이어프레임/와이어프레임 - 통계기록실(김아리).pptx
+++ b/doc/0.공용폴더/05 와이어프레임/와이어프레임 - 통계기록실(김아리).pptx
@@ -295,7 +295,7 @@
             <a:fld id="{5009934D-998A-4F5E-A004-A51A6883CECA}" type="datetimeFigureOut">
               <a:rPr lang="ko-KR" altLang="en-US" smtClean="0"/>
               <a:pPr/>
-              <a:t>2020-06-26</a:t>
+              <a:t>2020-06-30</a:t>
             </a:fld>
             <a:endParaRPr lang="ko-KR" altLang="en-US"/>
           </a:p>
@@ -462,7 +462,7 @@
             <a:fld id="{5009934D-998A-4F5E-A004-A51A6883CECA}" type="datetimeFigureOut">
               <a:rPr lang="ko-KR" altLang="en-US" smtClean="0"/>
               <a:pPr/>
-              <a:t>2020-06-26</a:t>
+              <a:t>2020-06-30</a:t>
             </a:fld>
             <a:endParaRPr lang="ko-KR" altLang="en-US"/>
           </a:p>
@@ -639,7 +639,7 @@
             <a:fld id="{5009934D-998A-4F5E-A004-A51A6883CECA}" type="datetimeFigureOut">
               <a:rPr lang="ko-KR" altLang="en-US" smtClean="0"/>
               <a:pPr/>
-              <a:t>2020-06-26</a:t>
+              <a:t>2020-06-30</a:t>
             </a:fld>
             <a:endParaRPr lang="ko-KR" altLang="en-US"/>
           </a:p>
@@ -806,7 +806,7 @@
             <a:fld id="{5009934D-998A-4F5E-A004-A51A6883CECA}" type="datetimeFigureOut">
               <a:rPr lang="ko-KR" altLang="en-US" smtClean="0"/>
               <a:pPr/>
-              <a:t>2020-06-26</a:t>
+              <a:t>2020-06-30</a:t>
             </a:fld>
             <a:endParaRPr lang="ko-KR" altLang="en-US"/>
           </a:p>
@@ -1049,7 +1049,7 @@
             <a:fld id="{5009934D-998A-4F5E-A004-A51A6883CECA}" type="datetimeFigureOut">
               <a:rPr lang="ko-KR" altLang="en-US" smtClean="0"/>
               <a:pPr/>
-              <a:t>2020-06-26</a:t>
+              <a:t>2020-06-30</a:t>
             </a:fld>
             <a:endParaRPr lang="ko-KR" altLang="en-US"/>
           </a:p>
@@ -1334,7 +1334,7 @@
             <a:fld id="{5009934D-998A-4F5E-A004-A51A6883CECA}" type="datetimeFigureOut">
               <a:rPr lang="ko-KR" altLang="en-US" smtClean="0"/>
               <a:pPr/>
-              <a:t>2020-06-26</a:t>
+              <a:t>2020-06-30</a:t>
             </a:fld>
             <a:endParaRPr lang="ko-KR" altLang="en-US"/>
           </a:p>
@@ -1753,7 +1753,7 @@
             <a:fld id="{5009934D-998A-4F5E-A004-A51A6883CECA}" type="datetimeFigureOut">
               <a:rPr lang="ko-KR" altLang="en-US" smtClean="0"/>
               <a:pPr/>
-              <a:t>2020-06-26</a:t>
+              <a:t>2020-06-30</a:t>
             </a:fld>
             <a:endParaRPr lang="ko-KR" altLang="en-US"/>
           </a:p>
@@ -1868,7 +1868,7 @@
             <a:fld id="{5009934D-998A-4F5E-A004-A51A6883CECA}" type="datetimeFigureOut">
               <a:rPr lang="ko-KR" altLang="en-US" smtClean="0"/>
               <a:pPr/>
-              <a:t>2020-06-26</a:t>
+              <a:t>2020-06-30</a:t>
             </a:fld>
             <a:endParaRPr lang="ko-KR" altLang="en-US"/>
           </a:p>
@@ -1960,7 +1960,7 @@
             <a:fld id="{5009934D-998A-4F5E-A004-A51A6883CECA}" type="datetimeFigureOut">
               <a:rPr lang="ko-KR" altLang="en-US" smtClean="0"/>
               <a:pPr/>
-              <a:t>2020-06-26</a:t>
+              <a:t>2020-06-30</a:t>
             </a:fld>
             <a:endParaRPr lang="ko-KR" altLang="en-US"/>
           </a:p>
@@ -2234,7 +2234,7 @@
             <a:fld id="{5009934D-998A-4F5E-A004-A51A6883CECA}" type="datetimeFigureOut">
               <a:rPr lang="ko-KR" altLang="en-US" smtClean="0"/>
               <a:pPr/>
-              <a:t>2020-06-26</a:t>
+              <a:t>2020-06-30</a:t>
             </a:fld>
             <a:endParaRPr lang="ko-KR" altLang="en-US"/>
           </a:p>
@@ -2484,7 +2484,7 @@
             <a:fld id="{5009934D-998A-4F5E-A004-A51A6883CECA}" type="datetimeFigureOut">
               <a:rPr lang="ko-KR" altLang="en-US" smtClean="0"/>
               <a:pPr/>
-              <a:t>2020-06-26</a:t>
+              <a:t>2020-06-30</a:t>
             </a:fld>
             <a:endParaRPr lang="ko-KR" altLang="en-US"/>
           </a:p>
@@ -2694,7 +2694,7 @@
             <a:fld id="{5009934D-998A-4F5E-A004-A51A6883CECA}" type="datetimeFigureOut">
               <a:rPr lang="ko-KR" altLang="en-US" smtClean="0"/>
               <a:pPr/>
-              <a:t>2020-06-26</a:t>
+              <a:t>2020-06-30</a:t>
             </a:fld>
             <a:endParaRPr lang="ko-KR" altLang="en-US"/>
           </a:p>
@@ -3355,404 +3355,623 @@
           <a:chExt cx="0" cy="0"/>
         </a:xfrm>
       </p:grpSpPr>
-      <p:pic>
-        <p:nvPicPr>
-          <p:cNvPr id="6146" name="Picture 2"/>
-          <p:cNvPicPr>
-            <a:picLocks noChangeAspect="1" noChangeArrowheads="1"/>
-          </p:cNvPicPr>
+      <p:grpSp>
+        <p:nvGrpSpPr>
+          <p:cNvPr id="15" name="그룹 14"/>
+          <p:cNvGrpSpPr/>
           <p:nvPr/>
-        </p:nvPicPr>
-        <p:blipFill>
-          <a:blip r:embed="rId2"/>
-          <a:srcRect/>
-          <a:stretch>
-            <a:fillRect/>
-          </a:stretch>
-        </p:blipFill>
-        <p:spPr bwMode="auto">
+        </p:nvGrpSpPr>
+        <p:grpSpPr>
           <a:xfrm>
-            <a:off x="539552" y="1340768"/>
-            <a:ext cx="8136904" cy="4928926"/>
+            <a:off x="500034" y="1340768"/>
+            <a:ext cx="8215370" cy="4928926"/>
+            <a:chOff x="500034" y="1340768"/>
+            <a:chExt cx="8215370" cy="4928926"/>
           </a:xfrm>
-          <a:prstGeom prst="rect">
-            <a:avLst/>
-          </a:prstGeom>
-          <a:noFill/>
-          <a:ln w="9525">
+        </p:grpSpPr>
+        <p:grpSp>
+          <p:nvGrpSpPr>
+            <p:cNvPr id="10" name="그룹 9"/>
+            <p:cNvGrpSpPr/>
+            <p:nvPr/>
+          </p:nvGrpSpPr>
+          <p:grpSpPr>
+            <a:xfrm>
+              <a:off x="500034" y="1340768"/>
+              <a:ext cx="8215370" cy="4928926"/>
+              <a:chOff x="500034" y="1340768"/>
+              <a:chExt cx="8215370" cy="4928926"/>
+            </a:xfrm>
+          </p:grpSpPr>
+          <p:pic>
+            <p:nvPicPr>
+              <p:cNvPr id="6146" name="Picture 2"/>
+              <p:cNvPicPr>
+                <a:picLocks noChangeAspect="1" noChangeArrowheads="1"/>
+              </p:cNvPicPr>
+              <p:nvPr/>
+            </p:nvPicPr>
+            <p:blipFill>
+              <a:blip r:embed="rId2"/>
+              <a:srcRect/>
+              <a:stretch>
+                <a:fillRect/>
+              </a:stretch>
+            </p:blipFill>
+            <p:spPr bwMode="auto">
+              <a:xfrm>
+                <a:off x="539552" y="1340768"/>
+                <a:ext cx="8136904" cy="4928926"/>
+              </a:xfrm>
+              <a:prstGeom prst="rect">
+                <a:avLst/>
+              </a:prstGeom>
+              <a:noFill/>
+              <a:ln w="9525">
+                <a:noFill/>
+                <a:miter lim="800000"/>
+                <a:headEnd/>
+                <a:tailEnd/>
+              </a:ln>
+              <a:effectLst/>
+            </p:spPr>
+          </p:pic>
+          <p:sp>
+            <p:nvSpPr>
+              <p:cNvPr id="9" name="직사각형 8"/>
+              <p:cNvSpPr/>
+              <p:nvPr/>
+            </p:nvSpPr>
+            <p:spPr>
+              <a:xfrm>
+                <a:off x="500034" y="1857364"/>
+                <a:ext cx="8215370" cy="3929090"/>
+              </a:xfrm>
+              <a:prstGeom prst="rect">
+                <a:avLst/>
+              </a:prstGeom>
+              <a:solidFill>
+                <a:schemeClr val="bg1"/>
+              </a:solidFill>
+              <a:ln>
+                <a:noFill/>
+              </a:ln>
+            </p:spPr>
+            <p:style>
+              <a:lnRef idx="2">
+                <a:schemeClr val="accent1">
+                  <a:shade val="50000"/>
+                </a:schemeClr>
+              </a:lnRef>
+              <a:fillRef idx="1">
+                <a:schemeClr val="accent1"/>
+              </a:fillRef>
+              <a:effectRef idx="0">
+                <a:schemeClr val="accent1"/>
+              </a:effectRef>
+              <a:fontRef idx="minor">
+                <a:schemeClr val="lt1"/>
+              </a:fontRef>
+            </p:style>
+            <p:txBody>
+              <a:bodyPr rtlCol="0" anchor="ctr"/>
+              <a:lstStyle/>
+              <a:p>
+                <a:pPr algn="ctr"/>
+                <a:endParaRPr lang="ko-KR" altLang="en-US"/>
+              </a:p>
+            </p:txBody>
+          </p:sp>
+        </p:grpSp>
+        <p:pic>
+          <p:nvPicPr>
+            <p:cNvPr id="3" name="Picture 2"/>
+            <p:cNvPicPr>
+              <a:picLocks noChangeAspect="1" noChangeArrowheads="1"/>
+            </p:cNvPicPr>
+            <p:nvPr/>
+          </p:nvPicPr>
+          <p:blipFill>
+            <a:blip r:embed="rId3" cstate="print">
+              <a:extLst>
+                <a:ext uri="{28A0092B-C50C-407E-A947-70E740481C1C}">
+                  <a14:useLocalDpi xmlns:a14="http://schemas.microsoft.com/office/drawing/2010/main" xmlns="" val="0"/>
+                </a:ext>
+              </a:extLst>
+            </a:blip>
+            <a:srcRect/>
+            <a:stretch>
+              <a:fillRect/>
+            </a:stretch>
+          </p:blipFill>
+          <p:spPr bwMode="auto">
+            <a:xfrm>
+              <a:off x="6000760" y="2357430"/>
+              <a:ext cx="2451473" cy="2500330"/>
+            </a:xfrm>
+            <a:prstGeom prst="rect">
+              <a:avLst/>
+            </a:prstGeom>
             <a:noFill/>
-            <a:miter lim="800000"/>
-            <a:headEnd/>
-            <a:tailEnd/>
-          </a:ln>
-          <a:effectLst/>
-        </p:spPr>
-      </p:pic>
-      <p:pic>
-        <p:nvPicPr>
-          <p:cNvPr id="3" name="Picture 2"/>
-          <p:cNvPicPr>
-            <a:picLocks noChangeAspect="1" noChangeArrowheads="1"/>
-          </p:cNvPicPr>
-          <p:nvPr/>
-        </p:nvPicPr>
-        <p:blipFill>
-          <a:blip r:embed="rId3" cstate="print">
+            <a:ln w="9525">
+              <a:solidFill>
+                <a:schemeClr val="tx1"/>
+              </a:solidFill>
+              <a:miter lim="800000"/>
+              <a:headEnd/>
+              <a:tailEnd/>
+            </a:ln>
+            <a:effectLst/>
             <a:extLst>
-              <a:ext uri="{28A0092B-C50C-407E-A947-70E740481C1C}">
-                <a14:useLocalDpi xmlns:a14="http://schemas.microsoft.com/office/drawing/2010/main" val="0"/>
+              <a:ext uri="{909E8E84-426E-40DD-AFC4-6F175D3DCCD1}">
+                <a14:hiddenFill xmlns:a14="http://schemas.microsoft.com/office/drawing/2010/main" xmlns="">
+                  <a:solidFill>
+                    <a:schemeClr val="accent1"/>
+                  </a:solidFill>
+                </a14:hiddenFill>
+              </a:ext>
+              <a:ext uri="{AF507438-7753-43E0-B8FC-AC1667EBCBE1}">
+                <a14:hiddenEffects xmlns:a14="http://schemas.microsoft.com/office/drawing/2010/main" xmlns="">
+                  <a:effectLst>
+                    <a:outerShdw dist="35921" dir="2700000" algn="ctr" rotWithShape="0">
+                      <a:schemeClr val="bg2"/>
+                    </a:outerShdw>
+                  </a:effectLst>
+                </a14:hiddenEffects>
               </a:ext>
             </a:extLst>
-          </a:blip>
-          <a:srcRect/>
-          <a:stretch>
-            <a:fillRect/>
-          </a:stretch>
-        </p:blipFill>
-        <p:spPr bwMode="auto">
-          <a:xfrm>
-            <a:off x="1099142" y="3294931"/>
-            <a:ext cx="2872467" cy="2929714"/>
-          </a:xfrm>
-          <a:prstGeom prst="rect">
-            <a:avLst/>
-          </a:prstGeom>
-          <a:noFill/>
-          <a:ln w="9525">
-            <a:solidFill>
-              <a:schemeClr val="tx1"/>
-            </a:solidFill>
-            <a:miter lim="800000"/>
-            <a:headEnd/>
-            <a:tailEnd/>
-          </a:ln>
-          <a:effectLst/>
-          <a:extLst>
-            <a:ext uri="{909E8E84-426E-40DD-AFC4-6F175D3DCCD1}">
-              <a14:hiddenFill xmlns:a14="http://schemas.microsoft.com/office/drawing/2010/main">
-                <a:solidFill>
-                  <a:schemeClr val="accent1"/>
-                </a:solidFill>
-              </a14:hiddenFill>
-            </a:ext>
-            <a:ext uri="{AF507438-7753-43E0-B8FC-AC1667EBCBE1}">
-              <a14:hiddenEffects xmlns:a14="http://schemas.microsoft.com/office/drawing/2010/main">
-                <a:effectLst>
-                  <a:outerShdw dist="35921" dir="2700000" algn="ctr" rotWithShape="0">
-                    <a:schemeClr val="bg2"/>
-                  </a:outerShdw>
-                </a:effectLst>
-              </a14:hiddenEffects>
-            </a:ext>
-          </a:extLst>
-        </p:spPr>
-      </p:pic>
-      <p:pic>
-        <p:nvPicPr>
-          <p:cNvPr id="4" name="Picture 3"/>
-          <p:cNvPicPr>
-            <a:picLocks noChangeAspect="1" noChangeArrowheads="1"/>
-          </p:cNvPicPr>
-          <p:nvPr/>
-        </p:nvPicPr>
-        <p:blipFill>
-          <a:blip r:embed="rId4" cstate="print">
+          </p:spPr>
+        </p:pic>
+        <p:pic>
+          <p:nvPicPr>
+            <p:cNvPr id="4" name="Picture 3"/>
+            <p:cNvPicPr>
+              <a:picLocks noChangeAspect="1" noChangeArrowheads="1"/>
+            </p:cNvPicPr>
+            <p:nvPr/>
+          </p:nvPicPr>
+          <p:blipFill>
+            <a:blip r:embed="rId4" cstate="print">
+              <a:extLst>
+                <a:ext uri="{28A0092B-C50C-407E-A947-70E740481C1C}">
+                  <a14:useLocalDpi xmlns:a14="http://schemas.microsoft.com/office/drawing/2010/main" xmlns="" val="0"/>
+                </a:ext>
+              </a:extLst>
+            </a:blip>
+            <a:srcRect/>
+            <a:stretch>
+              <a:fillRect/>
+            </a:stretch>
+          </p:blipFill>
+          <p:spPr bwMode="auto">
+            <a:xfrm>
+              <a:off x="3929058" y="2357430"/>
+              <a:ext cx="1760312" cy="1714512"/>
+            </a:xfrm>
+            <a:prstGeom prst="rect">
+              <a:avLst/>
+            </a:prstGeom>
+            <a:noFill/>
+            <a:ln w="9525">
+              <a:solidFill>
+                <a:schemeClr val="tx1"/>
+              </a:solidFill>
+              <a:miter lim="800000"/>
+              <a:headEnd/>
+              <a:tailEnd/>
+            </a:ln>
+            <a:effectLst/>
             <a:extLst>
-              <a:ext uri="{28A0092B-C50C-407E-A947-70E740481C1C}">
-                <a14:useLocalDpi xmlns:a14="http://schemas.microsoft.com/office/drawing/2010/main" val="0"/>
+              <a:ext uri="{909E8E84-426E-40DD-AFC4-6F175D3DCCD1}">
+                <a14:hiddenFill xmlns:a14="http://schemas.microsoft.com/office/drawing/2010/main" xmlns="">
+                  <a:solidFill>
+                    <a:schemeClr val="accent1"/>
+                  </a:solidFill>
+                </a14:hiddenFill>
+              </a:ext>
+              <a:ext uri="{AF507438-7753-43E0-B8FC-AC1667EBCBE1}">
+                <a14:hiddenEffects xmlns:a14="http://schemas.microsoft.com/office/drawing/2010/main" xmlns="">
+                  <a:effectLst>
+                    <a:outerShdw dist="35921" dir="2700000" algn="ctr" rotWithShape="0">
+                      <a:schemeClr val="bg2"/>
+                    </a:outerShdw>
+                  </a:effectLst>
+                </a14:hiddenEffects>
               </a:ext>
             </a:extLst>
-          </a:blip>
-          <a:srcRect/>
-          <a:stretch>
-            <a:fillRect/>
-          </a:stretch>
-        </p:blipFill>
-        <p:spPr bwMode="auto">
-          <a:xfrm>
-            <a:off x="2323279" y="3309130"/>
-            <a:ext cx="3013994" cy="2935575"/>
-          </a:xfrm>
-          <a:prstGeom prst="rect">
-            <a:avLst/>
-          </a:prstGeom>
-          <a:noFill/>
-          <a:ln w="9525">
-            <a:solidFill>
-              <a:schemeClr val="tx1"/>
-            </a:solidFill>
-            <a:miter lim="800000"/>
-            <a:headEnd/>
-            <a:tailEnd/>
-          </a:ln>
-          <a:effectLst/>
-          <a:extLst>
-            <a:ext uri="{909E8E84-426E-40DD-AFC4-6F175D3DCCD1}">
-              <a14:hiddenFill xmlns:a14="http://schemas.microsoft.com/office/drawing/2010/main">
-                <a:solidFill>
-                  <a:schemeClr val="accent1"/>
-                </a:solidFill>
-              </a14:hiddenFill>
-            </a:ext>
-            <a:ext uri="{AF507438-7753-43E0-B8FC-AC1667EBCBE1}">
-              <a14:hiddenEffects xmlns:a14="http://schemas.microsoft.com/office/drawing/2010/main">
-                <a:effectLst>
-                  <a:outerShdw dist="35921" dir="2700000" algn="ctr" rotWithShape="0">
-                    <a:schemeClr val="bg2"/>
-                  </a:outerShdw>
-                </a:effectLst>
-              </a14:hiddenEffects>
-            </a:ext>
-          </a:extLst>
-        </p:spPr>
-      </p:pic>
-      <p:pic>
-        <p:nvPicPr>
-          <p:cNvPr id="5" name="Picture 4"/>
-          <p:cNvPicPr>
-            <a:picLocks noChangeAspect="1" noChangeArrowheads="1"/>
-          </p:cNvPicPr>
-          <p:nvPr/>
-        </p:nvPicPr>
-        <p:blipFill>
-          <a:blip r:embed="rId5">
+          </p:spPr>
+        </p:pic>
+        <p:pic>
+          <p:nvPicPr>
+            <p:cNvPr id="5" name="Picture 4"/>
+            <p:cNvPicPr>
+              <a:picLocks noChangeAspect="1" noChangeArrowheads="1"/>
+            </p:cNvPicPr>
+            <p:nvPr/>
+          </p:nvPicPr>
+          <p:blipFill>
+            <a:blip r:embed="rId5" cstate="print">
+              <a:extLst>
+                <a:ext uri="{28A0092B-C50C-407E-A947-70E740481C1C}">
+                  <a14:useLocalDpi xmlns:a14="http://schemas.microsoft.com/office/drawing/2010/main" xmlns="" val="0"/>
+                </a:ext>
+              </a:extLst>
+            </a:blip>
+            <a:srcRect/>
+            <a:stretch>
+              <a:fillRect/>
+            </a:stretch>
+          </p:blipFill>
+          <p:spPr bwMode="auto">
+            <a:xfrm>
+              <a:off x="1071538" y="2357430"/>
+              <a:ext cx="2428892" cy="1721240"/>
+            </a:xfrm>
+            <a:prstGeom prst="rect">
+              <a:avLst/>
+            </a:prstGeom>
+            <a:noFill/>
+            <a:ln w="9525">
+              <a:solidFill>
+                <a:schemeClr val="tx1"/>
+              </a:solidFill>
+              <a:miter lim="800000"/>
+              <a:headEnd/>
+              <a:tailEnd/>
+            </a:ln>
+            <a:effectLst/>
             <a:extLst>
-              <a:ext uri="{28A0092B-C50C-407E-A947-70E740481C1C}">
-                <a14:useLocalDpi xmlns:a14="http://schemas.microsoft.com/office/drawing/2010/main" val="0"/>
+              <a:ext uri="{909E8E84-426E-40DD-AFC4-6F175D3DCCD1}">
+                <a14:hiddenFill xmlns:a14="http://schemas.microsoft.com/office/drawing/2010/main" xmlns="">
+                  <a:solidFill>
+                    <a:schemeClr val="accent1"/>
+                  </a:solidFill>
+                </a14:hiddenFill>
+              </a:ext>
+              <a:ext uri="{AF507438-7753-43E0-B8FC-AC1667EBCBE1}">
+                <a14:hiddenEffects xmlns:a14="http://schemas.microsoft.com/office/drawing/2010/main" xmlns="">
+                  <a:effectLst>
+                    <a:outerShdw dist="35921" dir="2700000" algn="ctr" rotWithShape="0">
+                      <a:schemeClr val="bg2"/>
+                    </a:outerShdw>
+                  </a:effectLst>
+                </a14:hiddenEffects>
               </a:ext>
             </a:extLst>
-          </a:blip>
-          <a:srcRect/>
-          <a:stretch>
-            <a:fillRect/>
-          </a:stretch>
-        </p:blipFill>
-        <p:spPr bwMode="auto">
-          <a:xfrm>
-            <a:off x="4195486" y="3287291"/>
-            <a:ext cx="4166117" cy="2952328"/>
-          </a:xfrm>
-          <a:prstGeom prst="rect">
-            <a:avLst/>
-          </a:prstGeom>
-          <a:noFill/>
-          <a:ln w="9525">
+          </p:spPr>
+        </p:pic>
+        <p:sp>
+          <p:nvSpPr>
+            <p:cNvPr id="2" name="모서리가 둥근 직사각형 1"/>
+            <p:cNvSpPr/>
+            <p:nvPr/>
+          </p:nvSpPr>
+          <p:spPr>
+            <a:xfrm>
+              <a:off x="6010331" y="2000240"/>
+              <a:ext cx="1347751" cy="288032"/>
+            </a:xfrm>
+            <a:prstGeom prst="roundRect">
+              <a:avLst/>
+            </a:prstGeom>
             <a:solidFill>
-              <a:schemeClr val="tx1"/>
+              <a:schemeClr val="bg1"/>
             </a:solidFill>
-            <a:miter lim="800000"/>
-            <a:headEnd/>
-            <a:tailEnd/>
-          </a:ln>
-          <a:effectLst/>
-          <a:extLst>
-            <a:ext uri="{909E8E84-426E-40DD-AFC4-6F175D3DCCD1}">
-              <a14:hiddenFill xmlns:a14="http://schemas.microsoft.com/office/drawing/2010/main">
-                <a:solidFill>
-                  <a:schemeClr val="accent1"/>
-                </a:solidFill>
-              </a14:hiddenFill>
-            </a:ext>
-            <a:ext uri="{AF507438-7753-43E0-B8FC-AC1667EBCBE1}">
-              <a14:hiddenEffects xmlns:a14="http://schemas.microsoft.com/office/drawing/2010/main">
-                <a:effectLst>
-                  <a:outerShdw dist="35921" dir="2700000" algn="ctr" rotWithShape="0">
-                    <a:schemeClr val="bg2"/>
-                  </a:outerShdw>
-                </a:effectLst>
-              </a14:hiddenEffects>
-            </a:ext>
-          </a:extLst>
-        </p:spPr>
-      </p:pic>
-      <p:sp>
-        <p:nvSpPr>
-          <p:cNvPr id="2" name="모서리가 둥근 직사각형 1"/>
-          <p:cNvSpPr/>
-          <p:nvPr/>
-        </p:nvSpPr>
-        <p:spPr>
-          <a:xfrm>
-            <a:off x="1099142" y="2924945"/>
-            <a:ext cx="1347751" cy="288032"/>
-          </a:xfrm>
-          <a:prstGeom prst="roundRect">
-            <a:avLst/>
-          </a:prstGeom>
-          <a:solidFill>
-            <a:schemeClr val="bg1"/>
-          </a:solidFill>
-          <a:ln>
-            <a:solidFill>
-              <a:schemeClr val="tx1"/>
-            </a:solidFill>
-          </a:ln>
-        </p:spPr>
-        <p:style>
-          <a:lnRef idx="2">
-            <a:schemeClr val="accent1">
-              <a:shade val="50000"/>
-            </a:schemeClr>
-          </a:lnRef>
-          <a:fillRef idx="1">
-            <a:schemeClr val="accent1"/>
-          </a:fillRef>
-          <a:effectRef idx="0">
-            <a:schemeClr val="accent1"/>
-          </a:effectRef>
-          <a:fontRef idx="minor">
-            <a:schemeClr val="lt1"/>
-          </a:fontRef>
-        </p:style>
-        <p:txBody>
-          <a:bodyPr rtlCol="0" anchor="ctr"/>
-          <a:lstStyle/>
-          <a:p>
-            <a:pPr algn="ctr"/>
-            <a:r>
-              <a:rPr lang="ko-KR" altLang="en-US" sz="1000" dirty="0" smtClean="0">
+            <a:ln>
+              <a:solidFill>
+                <a:schemeClr val="tx1"/>
+              </a:solidFill>
+            </a:ln>
+          </p:spPr>
+          <p:style>
+            <a:lnRef idx="2">
+              <a:schemeClr val="accent1">
+                <a:shade val="50000"/>
+              </a:schemeClr>
+            </a:lnRef>
+            <a:fillRef idx="1">
+              <a:schemeClr val="accent1"/>
+            </a:fillRef>
+            <a:effectRef idx="0">
+              <a:schemeClr val="accent1"/>
+            </a:effectRef>
+            <a:fontRef idx="minor">
+              <a:schemeClr val="lt1"/>
+            </a:fontRef>
+          </p:style>
+          <p:txBody>
+            <a:bodyPr rtlCol="0" anchor="ctr"/>
+            <a:lstStyle/>
+            <a:p>
+              <a:pPr algn="ctr"/>
+              <a:r>
+                <a:rPr lang="ko-KR" altLang="en-US" sz="1000" dirty="0" smtClean="0">
+                  <a:solidFill>
+                    <a:schemeClr val="tx1"/>
+                  </a:solidFill>
+                </a:rPr>
+                <a:t>역대관중 현황표</a:t>
+              </a:r>
+              <a:endParaRPr lang="ko-KR" altLang="en-US" sz="1000" dirty="0">
                 <a:solidFill>
                   <a:schemeClr val="tx1"/>
                 </a:solidFill>
-              </a:rPr>
-              <a:t>역대관중 현황표</a:t>
-            </a:r>
-            <a:endParaRPr lang="ko-KR" altLang="en-US" sz="1000" dirty="0">
+              </a:endParaRPr>
+            </a:p>
+          </p:txBody>
+        </p:sp>
+        <p:sp>
+          <p:nvSpPr>
+            <p:cNvPr id="7" name="모서리가 둥근 직사각형 6"/>
+            <p:cNvSpPr/>
+            <p:nvPr/>
+          </p:nvSpPr>
+          <p:spPr>
+            <a:xfrm>
+              <a:off x="3929058" y="2000240"/>
+              <a:ext cx="1347751" cy="288032"/>
+            </a:xfrm>
+            <a:prstGeom prst="roundRect">
+              <a:avLst/>
+            </a:prstGeom>
+            <a:solidFill>
+              <a:schemeClr val="bg1"/>
+            </a:solidFill>
+            <a:ln>
               <a:solidFill>
                 <a:schemeClr val="tx1"/>
               </a:solidFill>
-            </a:endParaRPr>
-          </a:p>
-        </p:txBody>
-      </p:sp>
-      <p:sp>
-        <p:nvSpPr>
-          <p:cNvPr id="7" name="모서리가 둥근 직사각형 6"/>
-          <p:cNvSpPr/>
-          <p:nvPr/>
-        </p:nvSpPr>
-        <p:spPr>
-          <a:xfrm>
-            <a:off x="2650008" y="2924945"/>
-            <a:ext cx="1347751" cy="288032"/>
-          </a:xfrm>
-          <a:prstGeom prst="roundRect">
-            <a:avLst/>
-          </a:prstGeom>
-          <a:solidFill>
-            <a:schemeClr val="bg1"/>
-          </a:solidFill>
-          <a:ln>
-            <a:solidFill>
-              <a:schemeClr val="tx1"/>
-            </a:solidFill>
-          </a:ln>
-        </p:spPr>
-        <p:style>
-          <a:lnRef idx="2">
-            <a:schemeClr val="accent1">
-              <a:shade val="50000"/>
-            </a:schemeClr>
-          </a:lnRef>
-          <a:fillRef idx="1">
-            <a:schemeClr val="accent1"/>
-          </a:fillRef>
-          <a:effectRef idx="0">
-            <a:schemeClr val="accent1"/>
-          </a:effectRef>
-          <a:fontRef idx="minor">
-            <a:schemeClr val="lt1"/>
-          </a:fontRef>
-        </p:style>
-        <p:txBody>
-          <a:bodyPr rtlCol="0" anchor="ctr"/>
-          <a:lstStyle/>
-          <a:p>
-            <a:pPr algn="ctr"/>
-            <a:r>
-              <a:rPr lang="ko-KR" altLang="en-US" sz="1000" dirty="0" smtClean="0">
+            </a:ln>
+          </p:spPr>
+          <p:style>
+            <a:lnRef idx="2">
+              <a:schemeClr val="accent1">
+                <a:shade val="50000"/>
+              </a:schemeClr>
+            </a:lnRef>
+            <a:fillRef idx="1">
+              <a:schemeClr val="accent1"/>
+            </a:fillRef>
+            <a:effectRef idx="0">
+              <a:schemeClr val="accent1"/>
+            </a:effectRef>
+            <a:fontRef idx="minor">
+              <a:schemeClr val="lt1"/>
+            </a:fontRef>
+          </p:style>
+          <p:txBody>
+            <a:bodyPr rtlCol="0" anchor="ctr"/>
+            <a:lstStyle/>
+            <a:p>
+              <a:pPr algn="ctr"/>
+              <a:r>
+                <a:rPr lang="ko-KR" altLang="en-US" sz="1000" dirty="0" smtClean="0">
+                  <a:solidFill>
+                    <a:schemeClr val="tx1"/>
+                  </a:solidFill>
+                </a:rPr>
+                <a:t>연도별 관중 현황</a:t>
+              </a:r>
+              <a:endParaRPr lang="ko-KR" altLang="en-US" sz="1000" dirty="0">
                 <a:solidFill>
                   <a:schemeClr val="tx1"/>
                 </a:solidFill>
-              </a:rPr>
-              <a:t>연도별 관중 현황</a:t>
-            </a:r>
-            <a:endParaRPr lang="ko-KR" altLang="en-US" sz="1000" dirty="0">
+              </a:endParaRPr>
+            </a:p>
+          </p:txBody>
+        </p:sp>
+        <p:sp>
+          <p:nvSpPr>
+            <p:cNvPr id="8" name="모서리가 둥근 직사각형 7"/>
+            <p:cNvSpPr/>
+            <p:nvPr/>
+          </p:nvSpPr>
+          <p:spPr>
+            <a:xfrm>
+              <a:off x="1071538" y="2000240"/>
+              <a:ext cx="1347751" cy="288032"/>
+            </a:xfrm>
+            <a:prstGeom prst="roundRect">
+              <a:avLst/>
+            </a:prstGeom>
+            <a:solidFill>
+              <a:schemeClr val="bg1"/>
+            </a:solidFill>
+            <a:ln>
               <a:solidFill>
                 <a:schemeClr val="tx1"/>
               </a:solidFill>
-            </a:endParaRPr>
-          </a:p>
-        </p:txBody>
-      </p:sp>
-      <p:sp>
-        <p:nvSpPr>
-          <p:cNvPr id="8" name="모서리가 둥근 직사각형 7"/>
-          <p:cNvSpPr/>
-          <p:nvPr/>
-        </p:nvSpPr>
-        <p:spPr>
-          <a:xfrm>
-            <a:off x="4355976" y="2924945"/>
-            <a:ext cx="1347751" cy="288032"/>
-          </a:xfrm>
-          <a:prstGeom prst="roundRect">
-            <a:avLst/>
-          </a:prstGeom>
-          <a:solidFill>
-            <a:schemeClr val="bg1"/>
-          </a:solidFill>
-          <a:ln>
-            <a:solidFill>
-              <a:schemeClr val="tx1"/>
-            </a:solidFill>
-          </a:ln>
-        </p:spPr>
-        <p:style>
-          <a:lnRef idx="2">
-            <a:schemeClr val="accent1">
-              <a:shade val="50000"/>
-            </a:schemeClr>
-          </a:lnRef>
-          <a:fillRef idx="1">
-            <a:schemeClr val="accent1"/>
-          </a:fillRef>
-          <a:effectRef idx="0">
-            <a:schemeClr val="accent1"/>
-          </a:effectRef>
-          <a:fontRef idx="minor">
-            <a:schemeClr val="lt1"/>
-          </a:fontRef>
-        </p:style>
-        <p:txBody>
-          <a:bodyPr rtlCol="0" anchor="ctr"/>
-          <a:lstStyle/>
-          <a:p>
-            <a:pPr algn="ctr"/>
-            <a:r>
-              <a:rPr lang="ko-KR" altLang="en-US" sz="1000" dirty="0" err="1" smtClean="0">
+            </a:ln>
+          </p:spPr>
+          <p:style>
+            <a:lnRef idx="2">
+              <a:schemeClr val="accent1">
+                <a:shade val="50000"/>
+              </a:schemeClr>
+            </a:lnRef>
+            <a:fillRef idx="1">
+              <a:schemeClr val="accent1"/>
+            </a:fillRef>
+            <a:effectRef idx="0">
+              <a:schemeClr val="accent1"/>
+            </a:effectRef>
+            <a:fontRef idx="minor">
+              <a:schemeClr val="lt1"/>
+            </a:fontRef>
+          </p:style>
+          <p:txBody>
+            <a:bodyPr rtlCol="0" anchor="ctr"/>
+            <a:lstStyle/>
+            <a:p>
+              <a:pPr algn="ctr"/>
+              <a:r>
+                <a:rPr lang="ko-KR" altLang="en-US" sz="1000" dirty="0" err="1" smtClean="0">
+                  <a:solidFill>
+                    <a:schemeClr val="tx1"/>
+                  </a:solidFill>
+                </a:rPr>
+                <a:t>구단별</a:t>
+              </a:r>
+              <a:r>
+                <a:rPr lang="ko-KR" altLang="en-US" sz="1000" dirty="0" smtClean="0">
+                  <a:solidFill>
+                    <a:schemeClr val="tx1"/>
+                  </a:solidFill>
+                </a:rPr>
+                <a:t> 관중현황</a:t>
+              </a:r>
+              <a:endParaRPr lang="ko-KR" altLang="en-US" sz="1000" dirty="0">
                 <a:solidFill>
                   <a:schemeClr val="tx1"/>
                 </a:solidFill>
-              </a:rPr>
-              <a:t>구단별</a:t>
-            </a:r>
-            <a:r>
-              <a:rPr lang="ko-KR" altLang="en-US" sz="1000" dirty="0" smtClean="0">
-                <a:solidFill>
-                  <a:schemeClr val="tx1"/>
-                </a:solidFill>
-              </a:rPr>
-              <a:t> 관중현황</a:t>
-            </a:r>
-            <a:endParaRPr lang="ko-KR" altLang="en-US" sz="1000" dirty="0">
+              </a:endParaRPr>
+            </a:p>
+          </p:txBody>
+        </p:sp>
+        <p:cxnSp>
+          <p:nvCxnSpPr>
+            <p:cNvPr id="12" name="직선 연결선 11"/>
+            <p:cNvCxnSpPr/>
+            <p:nvPr/>
+          </p:nvCxnSpPr>
+          <p:spPr>
+            <a:xfrm rot="5400000">
+              <a:off x="1893075" y="3821116"/>
+              <a:ext cx="3643338" cy="1588"/>
+            </a:xfrm>
+            <a:prstGeom prst="line">
+              <a:avLst/>
+            </a:prstGeom>
+            <a:ln>
               <a:solidFill>
-                <a:schemeClr val="tx1"/>
+                <a:schemeClr val="bg1">
+                  <a:lumMod val="85000"/>
+                </a:schemeClr>
               </a:solidFill>
-            </a:endParaRPr>
-          </a:p>
-        </p:txBody>
-      </p:sp>
+            </a:ln>
+          </p:spPr>
+          <p:style>
+            <a:lnRef idx="1">
+              <a:schemeClr val="accent1"/>
+            </a:lnRef>
+            <a:fillRef idx="0">
+              <a:schemeClr val="accent1"/>
+            </a:fillRef>
+            <a:effectRef idx="0">
+              <a:schemeClr val="accent1"/>
+            </a:effectRef>
+            <a:fontRef idx="minor">
+              <a:schemeClr val="tx1"/>
+            </a:fontRef>
+          </p:style>
+        </p:cxnSp>
+        <p:cxnSp>
+          <p:nvCxnSpPr>
+            <p:cNvPr id="13" name="직선 연결선 12"/>
+            <p:cNvCxnSpPr/>
+            <p:nvPr/>
+          </p:nvCxnSpPr>
+          <p:spPr>
+            <a:xfrm rot="5400000">
+              <a:off x="4037009" y="3821115"/>
+              <a:ext cx="3643338" cy="1588"/>
+            </a:xfrm>
+            <a:prstGeom prst="line">
+              <a:avLst/>
+            </a:prstGeom>
+            <a:ln>
+              <a:solidFill>
+                <a:schemeClr val="bg1">
+                  <a:lumMod val="85000"/>
+                </a:schemeClr>
+              </a:solidFill>
+            </a:ln>
+          </p:spPr>
+          <p:style>
+            <a:lnRef idx="1">
+              <a:schemeClr val="accent1"/>
+            </a:lnRef>
+            <a:fillRef idx="0">
+              <a:schemeClr val="accent1"/>
+            </a:fillRef>
+            <a:effectRef idx="0">
+              <a:schemeClr val="accent1"/>
+            </a:effectRef>
+            <a:fontRef idx="minor">
+              <a:schemeClr val="tx1"/>
+            </a:fontRef>
+          </p:style>
+        </p:cxnSp>
+        <p:sp>
+          <p:nvSpPr>
+            <p:cNvPr id="14" name="모서리가 둥근 사각형 설명선 13"/>
+            <p:cNvSpPr/>
+            <p:nvPr/>
+          </p:nvSpPr>
+          <p:spPr>
+            <a:xfrm>
+              <a:off x="3286116" y="5072074"/>
+              <a:ext cx="2500330" cy="571504"/>
+            </a:xfrm>
+            <a:prstGeom prst="wedgeRoundRectCallout">
+              <a:avLst>
+                <a:gd name="adj1" fmla="val 24445"/>
+                <a:gd name="adj2" fmla="val -102070"/>
+                <a:gd name="adj3" fmla="val 16667"/>
+              </a:avLst>
+            </a:prstGeom>
+            <a:solidFill>
+              <a:schemeClr val="tx1">
+                <a:lumMod val="65000"/>
+                <a:lumOff val="35000"/>
+              </a:schemeClr>
+            </a:solidFill>
+            <a:ln>
+              <a:noFill/>
+            </a:ln>
+          </p:spPr>
+          <p:style>
+            <a:lnRef idx="2">
+              <a:schemeClr val="accent1">
+                <a:shade val="50000"/>
+              </a:schemeClr>
+            </a:lnRef>
+            <a:fillRef idx="1">
+              <a:schemeClr val="accent1"/>
+            </a:fillRef>
+            <a:effectRef idx="0">
+              <a:schemeClr val="accent1"/>
+            </a:effectRef>
+            <a:fontRef idx="minor">
+              <a:schemeClr val="lt1"/>
+            </a:fontRef>
+          </p:style>
+          <p:txBody>
+            <a:bodyPr rtlCol="0" anchor="ctr"/>
+            <a:lstStyle/>
+            <a:p>
+              <a:pPr algn="ctr"/>
+              <a:r>
+                <a:rPr lang="en-US" altLang="ko-KR" sz="1100" dirty="0" smtClean="0"/>
+                <a:t>3</a:t>
+              </a:r>
+              <a:r>
+                <a:rPr lang="ko-KR" altLang="en-US" sz="1100" dirty="0" smtClean="0"/>
+                <a:t>분면 또는 </a:t>
+              </a:r>
+              <a:r>
+                <a:rPr lang="en-US" altLang="ko-KR" sz="1100" dirty="0" smtClean="0"/>
+                <a:t>1</a:t>
+              </a:r>
+              <a:r>
+                <a:rPr lang="ko-KR" altLang="en-US" sz="1100" dirty="0" smtClean="0"/>
+                <a:t>면에 차례로 배치한다</a:t>
+              </a:r>
+              <a:endParaRPr lang="ko-KR" altLang="en-US" sz="1100" dirty="0"/>
+            </a:p>
+          </p:txBody>
+        </p:sp>
+      </p:grpSp>
     </p:spTree>
   </p:cSld>
   <p:clrMapOvr>

--- a/doc/0.공용폴더/05 와이어프레임/와이어프레임 - 통계기록실(김아리).pptx
+++ b/doc/0.공용폴더/05 와이어프레임/와이어프레임 - 통계기록실(김아리).pptx
@@ -3357,7 +3357,7 @@
       </p:grpSpPr>
       <p:grpSp>
         <p:nvGrpSpPr>
-          <p:cNvPr id="15" name="그룹 14"/>
+          <p:cNvPr id="17" name="그룹 16"/>
           <p:cNvGrpSpPr/>
           <p:nvPr/>
         </p:nvGrpSpPr>
@@ -3371,7 +3371,7 @@
         </p:grpSpPr>
         <p:grpSp>
           <p:nvGrpSpPr>
-            <p:cNvPr id="10" name="그룹 9"/>
+            <p:cNvPr id="15" name="그룹 14"/>
             <p:cNvGrpSpPr/>
             <p:nvPr/>
           </p:nvGrpSpPr>
@@ -3383,16 +3383,116 @@
               <a:chExt cx="8215370" cy="4928926"/>
             </a:xfrm>
           </p:grpSpPr>
+          <p:grpSp>
+            <p:nvGrpSpPr>
+              <p:cNvPr id="10" name="그룹 9"/>
+              <p:cNvGrpSpPr/>
+              <p:nvPr/>
+            </p:nvGrpSpPr>
+            <p:grpSpPr>
+              <a:xfrm>
+                <a:off x="500034" y="1340768"/>
+                <a:ext cx="8215370" cy="4928926"/>
+                <a:chOff x="500034" y="1340768"/>
+                <a:chExt cx="8215370" cy="4928926"/>
+              </a:xfrm>
+            </p:grpSpPr>
+            <p:pic>
+              <p:nvPicPr>
+                <p:cNvPr id="6146" name="Picture 2"/>
+                <p:cNvPicPr>
+                  <a:picLocks noChangeAspect="1" noChangeArrowheads="1"/>
+                </p:cNvPicPr>
+                <p:nvPr/>
+              </p:nvPicPr>
+              <p:blipFill>
+                <a:blip r:embed="rId2"/>
+                <a:srcRect/>
+                <a:stretch>
+                  <a:fillRect/>
+                </a:stretch>
+              </p:blipFill>
+              <p:spPr bwMode="auto">
+                <a:xfrm>
+                  <a:off x="539552" y="1340768"/>
+                  <a:ext cx="8136904" cy="4928926"/>
+                </a:xfrm>
+                <a:prstGeom prst="rect">
+                  <a:avLst/>
+                </a:prstGeom>
+                <a:noFill/>
+                <a:ln w="9525">
+                  <a:noFill/>
+                  <a:miter lim="800000"/>
+                  <a:headEnd/>
+                  <a:tailEnd/>
+                </a:ln>
+                <a:effectLst/>
+              </p:spPr>
+            </p:pic>
+            <p:sp>
+              <p:nvSpPr>
+                <p:cNvPr id="9" name="직사각형 8"/>
+                <p:cNvSpPr/>
+                <p:nvPr/>
+              </p:nvSpPr>
+              <p:spPr>
+                <a:xfrm>
+                  <a:off x="500034" y="1857364"/>
+                  <a:ext cx="8215370" cy="3929090"/>
+                </a:xfrm>
+                <a:prstGeom prst="rect">
+                  <a:avLst/>
+                </a:prstGeom>
+                <a:solidFill>
+                  <a:schemeClr val="bg1"/>
+                </a:solidFill>
+                <a:ln>
+                  <a:noFill/>
+                </a:ln>
+              </p:spPr>
+              <p:style>
+                <a:lnRef idx="2">
+                  <a:schemeClr val="accent1">
+                    <a:shade val="50000"/>
+                  </a:schemeClr>
+                </a:lnRef>
+                <a:fillRef idx="1">
+                  <a:schemeClr val="accent1"/>
+                </a:fillRef>
+                <a:effectRef idx="0">
+                  <a:schemeClr val="accent1"/>
+                </a:effectRef>
+                <a:fontRef idx="minor">
+                  <a:schemeClr val="lt1"/>
+                </a:fontRef>
+              </p:style>
+              <p:txBody>
+                <a:bodyPr rtlCol="0" anchor="ctr"/>
+                <a:lstStyle/>
+                <a:p>
+                  <a:pPr algn="ctr"/>
+                  <a:endParaRPr lang="ko-KR" altLang="en-US"/>
+                </a:p>
+              </p:txBody>
+            </p:sp>
+          </p:grpSp>
           <p:pic>
             <p:nvPicPr>
-              <p:cNvPr id="6146" name="Picture 2"/>
+              <p:cNvPr id="3" name="Picture 2"/>
               <p:cNvPicPr>
                 <a:picLocks noChangeAspect="1" noChangeArrowheads="1"/>
               </p:cNvPicPr>
               <p:nvPr/>
             </p:nvPicPr>
             <p:blipFill>
-              <a:blip r:embed="rId2"/>
+              <a:blip r:embed="rId3" cstate="print">
+                <a:extLst>
+                  <a:ext uri="{28A0092B-C50C-407E-A947-70E740481C1C}">
+                    <a14:useLocalDpi xmlns="" xmlns:a14="http://schemas.microsoft.com/office/drawing/2010/main" val="0"/>
+                  </a:ext>
+                </a:extLst>
+              </a:blip>
               <a:srcRect/>
               <a:stretch>
                 <a:fillRect/>
@@ -3400,38 +3500,445 @@
             </p:blipFill>
             <p:spPr bwMode="auto">
               <a:xfrm>
-                <a:off x="539552" y="1340768"/>
-                <a:ext cx="8136904" cy="4928926"/>
+                <a:off x="6000760" y="2714620"/>
+                <a:ext cx="2451473" cy="2500330"/>
               </a:xfrm>
               <a:prstGeom prst="rect">
                 <a:avLst/>
               </a:prstGeom>
               <a:noFill/>
               <a:ln w="9525">
-                <a:noFill/>
+                <a:solidFill>
+                  <a:schemeClr val="tx1"/>
+                </a:solidFill>
                 <a:miter lim="800000"/>
                 <a:headEnd/>
                 <a:tailEnd/>
               </a:ln>
               <a:effectLst/>
+              <a:extLst>
+                <a:ext uri="{909E8E84-426E-40DD-AFC4-6F175D3DCCD1}">
+                  <a14:hiddenFill xmlns="" xmlns:a14="http://schemas.microsoft.com/office/drawing/2010/main">
+                    <a:solidFill>
+                      <a:schemeClr val="accent1"/>
+                    </a:solidFill>
+                  </a14:hiddenFill>
+                </a:ext>
+                <a:ext uri="{AF507438-7753-43E0-B8FC-AC1667EBCBE1}">
+                  <a14:hiddenEffects xmlns="" xmlns:a14="http://schemas.microsoft.com/office/drawing/2010/main">
+                    <a:effectLst>
+                      <a:outerShdw dist="35921" dir="2700000" algn="ctr" rotWithShape="0">
+                        <a:schemeClr val="bg2"/>
+                      </a:outerShdw>
+                    </a:effectLst>
+                  </a14:hiddenEffects>
+                </a:ext>
+              </a:extLst>
+            </p:spPr>
+          </p:pic>
+          <p:pic>
+            <p:nvPicPr>
+              <p:cNvPr id="4" name="Picture 3"/>
+              <p:cNvPicPr>
+                <a:picLocks noChangeAspect="1" noChangeArrowheads="1"/>
+              </p:cNvPicPr>
+              <p:nvPr/>
+            </p:nvPicPr>
+            <p:blipFill>
+              <a:blip r:embed="rId4" cstate="print">
+                <a:extLst>
+                  <a:ext uri="{28A0092B-C50C-407E-A947-70E740481C1C}">
+                    <a14:useLocalDpi xmlns="" xmlns:a14="http://schemas.microsoft.com/office/drawing/2010/main" val="0"/>
+                  </a:ext>
+                </a:extLst>
+              </a:blip>
+              <a:srcRect/>
+              <a:stretch>
+                <a:fillRect/>
+              </a:stretch>
+            </p:blipFill>
+            <p:spPr bwMode="auto">
+              <a:xfrm>
+                <a:off x="3929058" y="2714620"/>
+                <a:ext cx="1760312" cy="1714512"/>
+              </a:xfrm>
+              <a:prstGeom prst="rect">
+                <a:avLst/>
+              </a:prstGeom>
+              <a:noFill/>
+              <a:ln w="9525">
+                <a:solidFill>
+                  <a:schemeClr val="tx1"/>
+                </a:solidFill>
+                <a:miter lim="800000"/>
+                <a:headEnd/>
+                <a:tailEnd/>
+              </a:ln>
+              <a:effectLst/>
+              <a:extLst>
+                <a:ext uri="{909E8E84-426E-40DD-AFC4-6F175D3DCCD1}">
+                  <a14:hiddenFill xmlns="" xmlns:a14="http://schemas.microsoft.com/office/drawing/2010/main">
+                    <a:solidFill>
+                      <a:schemeClr val="accent1"/>
+                    </a:solidFill>
+                  </a14:hiddenFill>
+                </a:ext>
+                <a:ext uri="{AF507438-7753-43E0-B8FC-AC1667EBCBE1}">
+                  <a14:hiddenEffects xmlns="" xmlns:a14="http://schemas.microsoft.com/office/drawing/2010/main">
+                    <a:effectLst>
+                      <a:outerShdw dist="35921" dir="2700000" algn="ctr" rotWithShape="0">
+                        <a:schemeClr val="bg2"/>
+                      </a:outerShdw>
+                    </a:effectLst>
+                  </a14:hiddenEffects>
+                </a:ext>
+              </a:extLst>
+            </p:spPr>
+          </p:pic>
+          <p:pic>
+            <p:nvPicPr>
+              <p:cNvPr id="5" name="Picture 4"/>
+              <p:cNvPicPr>
+                <a:picLocks noChangeAspect="1" noChangeArrowheads="1"/>
+              </p:cNvPicPr>
+              <p:nvPr/>
+            </p:nvPicPr>
+            <p:blipFill>
+              <a:blip r:embed="rId5" cstate="print">
+                <a:extLst>
+                  <a:ext uri="{28A0092B-C50C-407E-A947-70E740481C1C}">
+                    <a14:useLocalDpi xmlns="" xmlns:a14="http://schemas.microsoft.com/office/drawing/2010/main" val="0"/>
+                  </a:ext>
+                </a:extLst>
+              </a:blip>
+              <a:srcRect/>
+              <a:stretch>
+                <a:fillRect/>
+              </a:stretch>
+            </p:blipFill>
+            <p:spPr bwMode="auto">
+              <a:xfrm>
+                <a:off x="1071538" y="2714620"/>
+                <a:ext cx="2428892" cy="1721240"/>
+              </a:xfrm>
+              <a:prstGeom prst="rect">
+                <a:avLst/>
+              </a:prstGeom>
+              <a:noFill/>
+              <a:ln w="9525">
+                <a:solidFill>
+                  <a:schemeClr val="tx1"/>
+                </a:solidFill>
+                <a:miter lim="800000"/>
+                <a:headEnd/>
+                <a:tailEnd/>
+              </a:ln>
+              <a:effectLst/>
+              <a:extLst>
+                <a:ext uri="{909E8E84-426E-40DD-AFC4-6F175D3DCCD1}">
+                  <a14:hiddenFill xmlns="" xmlns:a14="http://schemas.microsoft.com/office/drawing/2010/main">
+                    <a:solidFill>
+                      <a:schemeClr val="accent1"/>
+                    </a:solidFill>
+                  </a14:hiddenFill>
+                </a:ext>
+                <a:ext uri="{AF507438-7753-43E0-B8FC-AC1667EBCBE1}">
+                  <a14:hiddenEffects xmlns="" xmlns:a14="http://schemas.microsoft.com/office/drawing/2010/main">
+                    <a:effectLst>
+                      <a:outerShdw dist="35921" dir="2700000" algn="ctr" rotWithShape="0">
+                        <a:schemeClr val="bg2"/>
+                      </a:outerShdw>
+                    </a:effectLst>
+                  </a14:hiddenEffects>
+                </a:ext>
+              </a:extLst>
             </p:spPr>
           </p:pic>
           <p:sp>
             <p:nvSpPr>
-              <p:cNvPr id="9" name="직사각형 8"/>
+              <p:cNvPr id="2" name="모서리가 둥근 직사각형 1"/>
               <p:cNvSpPr/>
               <p:nvPr/>
             </p:nvSpPr>
             <p:spPr>
               <a:xfrm>
-                <a:off x="500034" y="1857364"/>
-                <a:ext cx="8215370" cy="3929090"/>
+                <a:off x="6010331" y="2357430"/>
+                <a:ext cx="1347751" cy="288032"/>
               </a:xfrm>
-              <a:prstGeom prst="rect">
+              <a:prstGeom prst="roundRect">
                 <a:avLst/>
               </a:prstGeom>
               <a:solidFill>
                 <a:schemeClr val="bg1"/>
+              </a:solidFill>
+              <a:ln>
+                <a:solidFill>
+                  <a:schemeClr val="tx1"/>
+                </a:solidFill>
+              </a:ln>
+            </p:spPr>
+            <p:style>
+              <a:lnRef idx="2">
+                <a:schemeClr val="accent1">
+                  <a:shade val="50000"/>
+                </a:schemeClr>
+              </a:lnRef>
+              <a:fillRef idx="1">
+                <a:schemeClr val="accent1"/>
+              </a:fillRef>
+              <a:effectRef idx="0">
+                <a:schemeClr val="accent1"/>
+              </a:effectRef>
+              <a:fontRef idx="minor">
+                <a:schemeClr val="lt1"/>
+              </a:fontRef>
+            </p:style>
+            <p:txBody>
+              <a:bodyPr rtlCol="0" anchor="ctr"/>
+              <a:lstStyle/>
+              <a:p>
+                <a:pPr algn="ctr"/>
+                <a:r>
+                  <a:rPr lang="ko-KR" altLang="en-US" sz="1000" dirty="0" smtClean="0">
+                    <a:solidFill>
+                      <a:schemeClr val="tx1"/>
+                    </a:solidFill>
+                  </a:rPr>
+                  <a:t>역대관중 현황표</a:t>
+                </a:r>
+                <a:endParaRPr lang="ko-KR" altLang="en-US" sz="1000" dirty="0">
+                  <a:solidFill>
+                    <a:schemeClr val="tx1"/>
+                  </a:solidFill>
+                </a:endParaRPr>
+              </a:p>
+            </p:txBody>
+          </p:sp>
+          <p:sp>
+            <p:nvSpPr>
+              <p:cNvPr id="7" name="모서리가 둥근 직사각형 6"/>
+              <p:cNvSpPr/>
+              <p:nvPr/>
+            </p:nvSpPr>
+            <p:spPr>
+              <a:xfrm>
+                <a:off x="3929058" y="2357430"/>
+                <a:ext cx="1347751" cy="288032"/>
+              </a:xfrm>
+              <a:prstGeom prst="roundRect">
+                <a:avLst/>
+              </a:prstGeom>
+              <a:solidFill>
+                <a:schemeClr val="bg1"/>
+              </a:solidFill>
+              <a:ln>
+                <a:solidFill>
+                  <a:schemeClr val="tx1"/>
+                </a:solidFill>
+              </a:ln>
+            </p:spPr>
+            <p:style>
+              <a:lnRef idx="2">
+                <a:schemeClr val="accent1">
+                  <a:shade val="50000"/>
+                </a:schemeClr>
+              </a:lnRef>
+              <a:fillRef idx="1">
+                <a:schemeClr val="accent1"/>
+              </a:fillRef>
+              <a:effectRef idx="0">
+                <a:schemeClr val="accent1"/>
+              </a:effectRef>
+              <a:fontRef idx="minor">
+                <a:schemeClr val="lt1"/>
+              </a:fontRef>
+            </p:style>
+            <p:txBody>
+              <a:bodyPr rtlCol="0" anchor="ctr"/>
+              <a:lstStyle/>
+              <a:p>
+                <a:pPr algn="ctr"/>
+                <a:r>
+                  <a:rPr lang="ko-KR" altLang="en-US" sz="1000" dirty="0" smtClean="0">
+                    <a:solidFill>
+                      <a:schemeClr val="tx1"/>
+                    </a:solidFill>
+                  </a:rPr>
+                  <a:t>연도별 관중 현황</a:t>
+                </a:r>
+                <a:endParaRPr lang="ko-KR" altLang="en-US" sz="1000" dirty="0">
+                  <a:solidFill>
+                    <a:schemeClr val="tx1"/>
+                  </a:solidFill>
+                </a:endParaRPr>
+              </a:p>
+            </p:txBody>
+          </p:sp>
+          <p:sp>
+            <p:nvSpPr>
+              <p:cNvPr id="8" name="모서리가 둥근 직사각형 7"/>
+              <p:cNvSpPr/>
+              <p:nvPr/>
+            </p:nvSpPr>
+            <p:spPr>
+              <a:xfrm>
+                <a:off x="1071538" y="2357430"/>
+                <a:ext cx="1347751" cy="288032"/>
+              </a:xfrm>
+              <a:prstGeom prst="roundRect">
+                <a:avLst/>
+              </a:prstGeom>
+              <a:solidFill>
+                <a:schemeClr val="bg1"/>
+              </a:solidFill>
+              <a:ln>
+                <a:solidFill>
+                  <a:schemeClr val="tx1"/>
+                </a:solidFill>
+              </a:ln>
+            </p:spPr>
+            <p:style>
+              <a:lnRef idx="2">
+                <a:schemeClr val="accent1">
+                  <a:shade val="50000"/>
+                </a:schemeClr>
+              </a:lnRef>
+              <a:fillRef idx="1">
+                <a:schemeClr val="accent1"/>
+              </a:fillRef>
+              <a:effectRef idx="0">
+                <a:schemeClr val="accent1"/>
+              </a:effectRef>
+              <a:fontRef idx="minor">
+                <a:schemeClr val="lt1"/>
+              </a:fontRef>
+            </p:style>
+            <p:txBody>
+              <a:bodyPr rtlCol="0" anchor="ctr"/>
+              <a:lstStyle/>
+              <a:p>
+                <a:pPr algn="ctr"/>
+                <a:r>
+                  <a:rPr lang="ko-KR" altLang="en-US" sz="1000" dirty="0" err="1" smtClean="0">
+                    <a:solidFill>
+                      <a:schemeClr val="tx1"/>
+                    </a:solidFill>
+                  </a:rPr>
+                  <a:t>구단별</a:t>
+                </a:r>
+                <a:r>
+                  <a:rPr lang="ko-KR" altLang="en-US" sz="1000" dirty="0" smtClean="0">
+                    <a:solidFill>
+                      <a:schemeClr val="tx1"/>
+                    </a:solidFill>
+                  </a:rPr>
+                  <a:t> 관중현황</a:t>
+                </a:r>
+                <a:endParaRPr lang="ko-KR" altLang="en-US" sz="1000" dirty="0">
+                  <a:solidFill>
+                    <a:schemeClr val="tx1"/>
+                  </a:solidFill>
+                </a:endParaRPr>
+              </a:p>
+            </p:txBody>
+          </p:sp>
+          <p:cxnSp>
+            <p:nvCxnSpPr>
+              <p:cNvPr id="12" name="직선 연결선 11"/>
+              <p:cNvCxnSpPr/>
+              <p:nvPr/>
+            </p:nvCxnSpPr>
+            <p:spPr>
+              <a:xfrm rot="5400000">
+                <a:off x="1893075" y="3821116"/>
+                <a:ext cx="3643338" cy="1588"/>
+              </a:xfrm>
+              <a:prstGeom prst="line">
+                <a:avLst/>
+              </a:prstGeom>
+              <a:ln>
+                <a:solidFill>
+                  <a:schemeClr val="bg1">
+                    <a:lumMod val="85000"/>
+                  </a:schemeClr>
+                </a:solidFill>
+              </a:ln>
+            </p:spPr>
+            <p:style>
+              <a:lnRef idx="1">
+                <a:schemeClr val="accent1"/>
+              </a:lnRef>
+              <a:fillRef idx="0">
+                <a:schemeClr val="accent1"/>
+              </a:fillRef>
+              <a:effectRef idx="0">
+                <a:schemeClr val="accent1"/>
+              </a:effectRef>
+              <a:fontRef idx="minor">
+                <a:schemeClr val="tx1"/>
+              </a:fontRef>
+            </p:style>
+          </p:cxnSp>
+          <p:cxnSp>
+            <p:nvCxnSpPr>
+              <p:cNvPr id="13" name="직선 연결선 12"/>
+              <p:cNvCxnSpPr/>
+              <p:nvPr/>
+            </p:nvCxnSpPr>
+            <p:spPr>
+              <a:xfrm rot="5400000">
+                <a:off x="4037009" y="3821115"/>
+                <a:ext cx="3643338" cy="1588"/>
+              </a:xfrm>
+              <a:prstGeom prst="line">
+                <a:avLst/>
+              </a:prstGeom>
+              <a:ln>
+                <a:solidFill>
+                  <a:schemeClr val="bg1">
+                    <a:lumMod val="85000"/>
+                  </a:schemeClr>
+                </a:solidFill>
+              </a:ln>
+            </p:spPr>
+            <p:style>
+              <a:lnRef idx="1">
+                <a:schemeClr val="accent1"/>
+              </a:lnRef>
+              <a:fillRef idx="0">
+                <a:schemeClr val="accent1"/>
+              </a:fillRef>
+              <a:effectRef idx="0">
+                <a:schemeClr val="accent1"/>
+              </a:effectRef>
+              <a:fontRef idx="minor">
+                <a:schemeClr val="tx1"/>
+              </a:fontRef>
+            </p:style>
+          </p:cxnSp>
+          <p:sp>
+            <p:nvSpPr>
+              <p:cNvPr id="14" name="모서리가 둥근 사각형 설명선 13"/>
+              <p:cNvSpPr/>
+              <p:nvPr/>
+            </p:nvSpPr>
+            <p:spPr>
+              <a:xfrm>
+                <a:off x="3286116" y="5072074"/>
+                <a:ext cx="2500330" cy="571504"/>
+              </a:xfrm>
+              <a:prstGeom prst="wedgeRoundRectCallout">
+                <a:avLst>
+                  <a:gd name="adj1" fmla="val 24445"/>
+                  <a:gd name="adj2" fmla="val -102070"/>
+                  <a:gd name="adj3" fmla="val 16667"/>
+                </a:avLst>
+              </a:prstGeom>
+              <a:solidFill>
+                <a:schemeClr val="tx1">
+                  <a:lumMod val="65000"/>
+                  <a:lumOff val="35000"/>
+                </a:schemeClr>
               </a:solidFill>
               <a:ln>
                 <a:noFill/>
@@ -3458,516 +3965,54 @@
               <a:lstStyle/>
               <a:p>
                 <a:pPr algn="ctr"/>
-                <a:endParaRPr lang="ko-KR" altLang="en-US"/>
+                <a:r>
+                  <a:rPr lang="en-US" altLang="ko-KR" sz="1100" dirty="0" smtClean="0"/>
+                  <a:t>3</a:t>
+                </a:r>
+                <a:r>
+                  <a:rPr lang="ko-KR" altLang="en-US" sz="1100" dirty="0" smtClean="0"/>
+                  <a:t>분면 또는 </a:t>
+                </a:r>
+                <a:r>
+                  <a:rPr lang="en-US" altLang="ko-KR" sz="1100" dirty="0" smtClean="0"/>
+                  <a:t>1</a:t>
+                </a:r>
+                <a:r>
+                  <a:rPr lang="ko-KR" altLang="en-US" sz="1100" dirty="0" smtClean="0"/>
+                  <a:t>면에 차례로 배치한다</a:t>
+                </a:r>
+                <a:endParaRPr lang="ko-KR" altLang="en-US" sz="1100" dirty="0"/>
               </a:p>
             </p:txBody>
           </p:sp>
         </p:grpSp>
-        <p:pic>
-          <p:nvPicPr>
-            <p:cNvPr id="3" name="Picture 2"/>
-            <p:cNvPicPr>
-              <a:picLocks noChangeAspect="1" noChangeArrowheads="1"/>
-            </p:cNvPicPr>
+        <p:sp>
+          <p:nvSpPr>
+            <p:cNvPr id="16" name="TextBox 15"/>
+            <p:cNvSpPr txBox="1"/>
             <p:nvPr/>
-          </p:nvPicPr>
-          <p:blipFill>
-            <a:blip r:embed="rId3" cstate="print">
-              <a:extLst>
-                <a:ext uri="{28A0092B-C50C-407E-A947-70E740481C1C}">
-                  <a14:useLocalDpi xmlns:a14="http://schemas.microsoft.com/office/drawing/2010/main" xmlns="" val="0"/>
-                </a:ext>
-              </a:extLst>
-            </a:blip>
-            <a:srcRect/>
-            <a:stretch>
-              <a:fillRect/>
-            </a:stretch>
-          </p:blipFill>
-          <p:spPr bwMode="auto">
+          </p:nvSpPr>
+          <p:spPr>
             <a:xfrm>
-              <a:off x="6000760" y="2357430"/>
-              <a:ext cx="2451473" cy="2500330"/>
+              <a:off x="571472" y="1857364"/>
+              <a:ext cx="2276585" cy="369332"/>
             </a:xfrm>
             <a:prstGeom prst="rect">
               <a:avLst/>
             </a:prstGeom>
             <a:noFill/>
-            <a:ln w="9525">
-              <a:solidFill>
-                <a:schemeClr val="tx1"/>
-              </a:solidFill>
-              <a:miter lim="800000"/>
-              <a:headEnd/>
-              <a:tailEnd/>
-            </a:ln>
-            <a:effectLst/>
-            <a:extLst>
-              <a:ext uri="{909E8E84-426E-40DD-AFC4-6F175D3DCCD1}">
-                <a14:hiddenFill xmlns:a14="http://schemas.microsoft.com/office/drawing/2010/main" xmlns="">
-                  <a:solidFill>
-                    <a:schemeClr val="accent1"/>
-                  </a:solidFill>
-                </a14:hiddenFill>
-              </a:ext>
-              <a:ext uri="{AF507438-7753-43E0-B8FC-AC1667EBCBE1}">
-                <a14:hiddenEffects xmlns:a14="http://schemas.microsoft.com/office/drawing/2010/main" xmlns="">
-                  <a:effectLst>
-                    <a:outerShdw dist="35921" dir="2700000" algn="ctr" rotWithShape="0">
-                      <a:schemeClr val="bg2"/>
-                    </a:outerShdw>
-                  </a:effectLst>
-                </a14:hiddenEffects>
-              </a:ext>
-            </a:extLst>
           </p:spPr>
-        </p:pic>
-        <p:pic>
-          <p:nvPicPr>
-            <p:cNvPr id="4" name="Picture 3"/>
-            <p:cNvPicPr>
-              <a:picLocks noChangeAspect="1" noChangeArrowheads="1"/>
-            </p:cNvPicPr>
-            <p:nvPr/>
-          </p:nvPicPr>
-          <p:blipFill>
-            <a:blip r:embed="rId4" cstate="print">
-              <a:extLst>
-                <a:ext uri="{28A0092B-C50C-407E-A947-70E740481C1C}">
-                  <a14:useLocalDpi xmlns:a14="http://schemas.microsoft.com/office/drawing/2010/main" xmlns="" val="0"/>
-                </a:ext>
-              </a:extLst>
-            </a:blip>
-            <a:srcRect/>
-            <a:stretch>
-              <a:fillRect/>
-            </a:stretch>
-          </p:blipFill>
-          <p:spPr bwMode="auto">
-            <a:xfrm>
-              <a:off x="3929058" y="2357430"/>
-              <a:ext cx="1760312" cy="1714512"/>
-            </a:xfrm>
-            <a:prstGeom prst="rect">
-              <a:avLst/>
-            </a:prstGeom>
-            <a:noFill/>
-            <a:ln w="9525">
-              <a:solidFill>
-                <a:schemeClr val="tx1"/>
-              </a:solidFill>
-              <a:miter lim="800000"/>
-              <a:headEnd/>
-              <a:tailEnd/>
-            </a:ln>
-            <a:effectLst/>
-            <a:extLst>
-              <a:ext uri="{909E8E84-426E-40DD-AFC4-6F175D3DCCD1}">
-                <a14:hiddenFill xmlns:a14="http://schemas.microsoft.com/office/drawing/2010/main" xmlns="">
-                  <a:solidFill>
-                    <a:schemeClr val="accent1"/>
-                  </a:solidFill>
-                </a14:hiddenFill>
-              </a:ext>
-              <a:ext uri="{AF507438-7753-43E0-B8FC-AC1667EBCBE1}">
-                <a14:hiddenEffects xmlns:a14="http://schemas.microsoft.com/office/drawing/2010/main" xmlns="">
-                  <a:effectLst>
-                    <a:outerShdw dist="35921" dir="2700000" algn="ctr" rotWithShape="0">
-                      <a:schemeClr val="bg2"/>
-                    </a:outerShdw>
-                  </a:effectLst>
-                </a14:hiddenEffects>
-              </a:ext>
-            </a:extLst>
-          </p:spPr>
-        </p:pic>
-        <p:pic>
-          <p:nvPicPr>
-            <p:cNvPr id="5" name="Picture 4"/>
-            <p:cNvPicPr>
-              <a:picLocks noChangeAspect="1" noChangeArrowheads="1"/>
-            </p:cNvPicPr>
-            <p:nvPr/>
-          </p:nvPicPr>
-          <p:blipFill>
-            <a:blip r:embed="rId5" cstate="print">
-              <a:extLst>
-                <a:ext uri="{28A0092B-C50C-407E-A947-70E740481C1C}">
-                  <a14:useLocalDpi xmlns:a14="http://schemas.microsoft.com/office/drawing/2010/main" xmlns="" val="0"/>
-                </a:ext>
-              </a:extLst>
-            </a:blip>
-            <a:srcRect/>
-            <a:stretch>
-              <a:fillRect/>
-            </a:stretch>
-          </p:blipFill>
-          <p:spPr bwMode="auto">
-            <a:xfrm>
-              <a:off x="1071538" y="2357430"/>
-              <a:ext cx="2428892" cy="1721240"/>
-            </a:xfrm>
-            <a:prstGeom prst="rect">
-              <a:avLst/>
-            </a:prstGeom>
-            <a:noFill/>
-            <a:ln w="9525">
-              <a:solidFill>
-                <a:schemeClr val="tx1"/>
-              </a:solidFill>
-              <a:miter lim="800000"/>
-              <a:headEnd/>
-              <a:tailEnd/>
-            </a:ln>
-            <a:effectLst/>
-            <a:extLst>
-              <a:ext uri="{909E8E84-426E-40DD-AFC4-6F175D3DCCD1}">
-                <a14:hiddenFill xmlns:a14="http://schemas.microsoft.com/office/drawing/2010/main" xmlns="">
-                  <a:solidFill>
-                    <a:schemeClr val="accent1"/>
-                  </a:solidFill>
-                </a14:hiddenFill>
-              </a:ext>
-              <a:ext uri="{AF507438-7753-43E0-B8FC-AC1667EBCBE1}">
-                <a14:hiddenEffects xmlns:a14="http://schemas.microsoft.com/office/drawing/2010/main" xmlns="">
-                  <a:effectLst>
-                    <a:outerShdw dist="35921" dir="2700000" algn="ctr" rotWithShape="0">
-                      <a:schemeClr val="bg2"/>
-                    </a:outerShdw>
-                  </a:effectLst>
-                </a14:hiddenEffects>
-              </a:ext>
-            </a:extLst>
-          </p:spPr>
-        </p:pic>
-        <p:sp>
-          <p:nvSpPr>
-            <p:cNvPr id="2" name="모서리가 둥근 직사각형 1"/>
-            <p:cNvSpPr/>
-            <p:nvPr/>
-          </p:nvSpPr>
-          <p:spPr>
-            <a:xfrm>
-              <a:off x="6010331" y="2000240"/>
-              <a:ext cx="1347751" cy="288032"/>
-            </a:xfrm>
-            <a:prstGeom prst="roundRect">
-              <a:avLst/>
-            </a:prstGeom>
-            <a:solidFill>
-              <a:schemeClr val="bg1"/>
-            </a:solidFill>
-            <a:ln>
-              <a:solidFill>
-                <a:schemeClr val="tx1"/>
-              </a:solidFill>
-            </a:ln>
-          </p:spPr>
-          <p:style>
-            <a:lnRef idx="2">
-              <a:schemeClr val="accent1">
-                <a:shade val="50000"/>
-              </a:schemeClr>
-            </a:lnRef>
-            <a:fillRef idx="1">
-              <a:schemeClr val="accent1"/>
-            </a:fillRef>
-            <a:effectRef idx="0">
-              <a:schemeClr val="accent1"/>
-            </a:effectRef>
-            <a:fontRef idx="minor">
-              <a:schemeClr val="lt1"/>
-            </a:fontRef>
-          </p:style>
           <p:txBody>
-            <a:bodyPr rtlCol="0" anchor="ctr"/>
+            <a:bodyPr wrap="none" rtlCol="0">
+              <a:spAutoFit/>
+            </a:bodyPr>
             <a:lstStyle/>
             <a:p>
-              <a:pPr algn="ctr"/>
               <a:r>
-                <a:rPr lang="ko-KR" altLang="en-US" sz="1000" dirty="0" smtClean="0">
-                  <a:solidFill>
-                    <a:schemeClr val="tx1"/>
-                  </a:solidFill>
-                </a:rPr>
-                <a:t>역대관중 현황표</a:t>
+                <a:rPr lang="ko-KR" altLang="en-US" b="1" dirty="0" smtClean="0"/>
+                <a:t>팀별 역대 관중 통계</a:t>
               </a:r>
-              <a:endParaRPr lang="ko-KR" altLang="en-US" sz="1000" dirty="0">
-                <a:solidFill>
-                  <a:schemeClr val="tx1"/>
-                </a:solidFill>
-              </a:endParaRPr>
-            </a:p>
-          </p:txBody>
-        </p:sp>
-        <p:sp>
-          <p:nvSpPr>
-            <p:cNvPr id="7" name="모서리가 둥근 직사각형 6"/>
-            <p:cNvSpPr/>
-            <p:nvPr/>
-          </p:nvSpPr>
-          <p:spPr>
-            <a:xfrm>
-              <a:off x="3929058" y="2000240"/>
-              <a:ext cx="1347751" cy="288032"/>
-            </a:xfrm>
-            <a:prstGeom prst="roundRect">
-              <a:avLst/>
-            </a:prstGeom>
-            <a:solidFill>
-              <a:schemeClr val="bg1"/>
-            </a:solidFill>
-            <a:ln>
-              <a:solidFill>
-                <a:schemeClr val="tx1"/>
-              </a:solidFill>
-            </a:ln>
-          </p:spPr>
-          <p:style>
-            <a:lnRef idx="2">
-              <a:schemeClr val="accent1">
-                <a:shade val="50000"/>
-              </a:schemeClr>
-            </a:lnRef>
-            <a:fillRef idx="1">
-              <a:schemeClr val="accent1"/>
-            </a:fillRef>
-            <a:effectRef idx="0">
-              <a:schemeClr val="accent1"/>
-            </a:effectRef>
-            <a:fontRef idx="minor">
-              <a:schemeClr val="lt1"/>
-            </a:fontRef>
-          </p:style>
-          <p:txBody>
-            <a:bodyPr rtlCol="0" anchor="ctr"/>
-            <a:lstStyle/>
-            <a:p>
-              <a:pPr algn="ctr"/>
-              <a:r>
-                <a:rPr lang="ko-KR" altLang="en-US" sz="1000" dirty="0" smtClean="0">
-                  <a:solidFill>
-                    <a:schemeClr val="tx1"/>
-                  </a:solidFill>
-                </a:rPr>
-                <a:t>연도별 관중 현황</a:t>
-              </a:r>
-              <a:endParaRPr lang="ko-KR" altLang="en-US" sz="1000" dirty="0">
-                <a:solidFill>
-                  <a:schemeClr val="tx1"/>
-                </a:solidFill>
-              </a:endParaRPr>
-            </a:p>
-          </p:txBody>
-        </p:sp>
-        <p:sp>
-          <p:nvSpPr>
-            <p:cNvPr id="8" name="모서리가 둥근 직사각형 7"/>
-            <p:cNvSpPr/>
-            <p:nvPr/>
-          </p:nvSpPr>
-          <p:spPr>
-            <a:xfrm>
-              <a:off x="1071538" y="2000240"/>
-              <a:ext cx="1347751" cy="288032"/>
-            </a:xfrm>
-            <a:prstGeom prst="roundRect">
-              <a:avLst/>
-            </a:prstGeom>
-            <a:solidFill>
-              <a:schemeClr val="bg1"/>
-            </a:solidFill>
-            <a:ln>
-              <a:solidFill>
-                <a:schemeClr val="tx1"/>
-              </a:solidFill>
-            </a:ln>
-          </p:spPr>
-          <p:style>
-            <a:lnRef idx="2">
-              <a:schemeClr val="accent1">
-                <a:shade val="50000"/>
-              </a:schemeClr>
-            </a:lnRef>
-            <a:fillRef idx="1">
-              <a:schemeClr val="accent1"/>
-            </a:fillRef>
-            <a:effectRef idx="0">
-              <a:schemeClr val="accent1"/>
-            </a:effectRef>
-            <a:fontRef idx="minor">
-              <a:schemeClr val="lt1"/>
-            </a:fontRef>
-          </p:style>
-          <p:txBody>
-            <a:bodyPr rtlCol="0" anchor="ctr"/>
-            <a:lstStyle/>
-            <a:p>
-              <a:pPr algn="ctr"/>
-              <a:r>
-                <a:rPr lang="ko-KR" altLang="en-US" sz="1000" dirty="0" err="1" smtClean="0">
-                  <a:solidFill>
-                    <a:schemeClr val="tx1"/>
-                  </a:solidFill>
-                </a:rPr>
-                <a:t>구단별</a:t>
-              </a:r>
-              <a:r>
-                <a:rPr lang="ko-KR" altLang="en-US" sz="1000" dirty="0" smtClean="0">
-                  <a:solidFill>
-                    <a:schemeClr val="tx1"/>
-                  </a:solidFill>
-                </a:rPr>
-                <a:t> 관중현황</a:t>
-              </a:r>
-              <a:endParaRPr lang="ko-KR" altLang="en-US" sz="1000" dirty="0">
-                <a:solidFill>
-                  <a:schemeClr val="tx1"/>
-                </a:solidFill>
-              </a:endParaRPr>
-            </a:p>
-          </p:txBody>
-        </p:sp>
-        <p:cxnSp>
-          <p:nvCxnSpPr>
-            <p:cNvPr id="12" name="직선 연결선 11"/>
-            <p:cNvCxnSpPr/>
-            <p:nvPr/>
-          </p:nvCxnSpPr>
-          <p:spPr>
-            <a:xfrm rot="5400000">
-              <a:off x="1893075" y="3821116"/>
-              <a:ext cx="3643338" cy="1588"/>
-            </a:xfrm>
-            <a:prstGeom prst="line">
-              <a:avLst/>
-            </a:prstGeom>
-            <a:ln>
-              <a:solidFill>
-                <a:schemeClr val="bg1">
-                  <a:lumMod val="85000"/>
-                </a:schemeClr>
-              </a:solidFill>
-            </a:ln>
-          </p:spPr>
-          <p:style>
-            <a:lnRef idx="1">
-              <a:schemeClr val="accent1"/>
-            </a:lnRef>
-            <a:fillRef idx="0">
-              <a:schemeClr val="accent1"/>
-            </a:fillRef>
-            <a:effectRef idx="0">
-              <a:schemeClr val="accent1"/>
-            </a:effectRef>
-            <a:fontRef idx="minor">
-              <a:schemeClr val="tx1"/>
-            </a:fontRef>
-          </p:style>
-        </p:cxnSp>
-        <p:cxnSp>
-          <p:nvCxnSpPr>
-            <p:cNvPr id="13" name="직선 연결선 12"/>
-            <p:cNvCxnSpPr/>
-            <p:nvPr/>
-          </p:nvCxnSpPr>
-          <p:spPr>
-            <a:xfrm rot="5400000">
-              <a:off x="4037009" y="3821115"/>
-              <a:ext cx="3643338" cy="1588"/>
-            </a:xfrm>
-            <a:prstGeom prst="line">
-              <a:avLst/>
-            </a:prstGeom>
-            <a:ln>
-              <a:solidFill>
-                <a:schemeClr val="bg1">
-                  <a:lumMod val="85000"/>
-                </a:schemeClr>
-              </a:solidFill>
-            </a:ln>
-          </p:spPr>
-          <p:style>
-            <a:lnRef idx="1">
-              <a:schemeClr val="accent1"/>
-            </a:lnRef>
-            <a:fillRef idx="0">
-              <a:schemeClr val="accent1"/>
-            </a:fillRef>
-            <a:effectRef idx="0">
-              <a:schemeClr val="accent1"/>
-            </a:effectRef>
-            <a:fontRef idx="minor">
-              <a:schemeClr val="tx1"/>
-            </a:fontRef>
-          </p:style>
-        </p:cxnSp>
-        <p:sp>
-          <p:nvSpPr>
-            <p:cNvPr id="14" name="모서리가 둥근 사각형 설명선 13"/>
-            <p:cNvSpPr/>
-            <p:nvPr/>
-          </p:nvSpPr>
-          <p:spPr>
-            <a:xfrm>
-              <a:off x="3286116" y="5072074"/>
-              <a:ext cx="2500330" cy="571504"/>
-            </a:xfrm>
-            <a:prstGeom prst="wedgeRoundRectCallout">
-              <a:avLst>
-                <a:gd name="adj1" fmla="val 24445"/>
-                <a:gd name="adj2" fmla="val -102070"/>
-                <a:gd name="adj3" fmla="val 16667"/>
-              </a:avLst>
-            </a:prstGeom>
-            <a:solidFill>
-              <a:schemeClr val="tx1">
-                <a:lumMod val="65000"/>
-                <a:lumOff val="35000"/>
-              </a:schemeClr>
-            </a:solidFill>
-            <a:ln>
-              <a:noFill/>
-            </a:ln>
-          </p:spPr>
-          <p:style>
-            <a:lnRef idx="2">
-              <a:schemeClr val="accent1">
-                <a:shade val="50000"/>
-              </a:schemeClr>
-            </a:lnRef>
-            <a:fillRef idx="1">
-              <a:schemeClr val="accent1"/>
-            </a:fillRef>
-            <a:effectRef idx="0">
-              <a:schemeClr val="accent1"/>
-            </a:effectRef>
-            <a:fontRef idx="minor">
-              <a:schemeClr val="lt1"/>
-            </a:fontRef>
-          </p:style>
-          <p:txBody>
-            <a:bodyPr rtlCol="0" anchor="ctr"/>
-            <a:lstStyle/>
-            <a:p>
-              <a:pPr algn="ctr"/>
-              <a:r>
-                <a:rPr lang="en-US" altLang="ko-KR" sz="1100" dirty="0" smtClean="0"/>
-                <a:t>3</a:t>
-              </a:r>
-              <a:r>
-                <a:rPr lang="ko-KR" altLang="en-US" sz="1100" dirty="0" smtClean="0"/>
-                <a:t>분면 또는 </a:t>
-              </a:r>
-              <a:r>
-                <a:rPr lang="en-US" altLang="ko-KR" sz="1100" dirty="0" smtClean="0"/>
-                <a:t>1</a:t>
-              </a:r>
-              <a:r>
-                <a:rPr lang="ko-KR" altLang="en-US" sz="1100" dirty="0" smtClean="0"/>
-                <a:t>면에 차례로 배치한다</a:t>
-              </a:r>
-              <a:endParaRPr lang="ko-KR" altLang="en-US" sz="1100" dirty="0"/>
+              <a:endParaRPr lang="ko-KR" altLang="en-US" b="1" dirty="0"/>
             </a:p>
           </p:txBody>
         </p:sp>
